--- a/images/tcd/tcd.pptx
+++ b/images/tcd/tcd.pptx
@@ -4983,7 +4983,7 @@
           <a:p>
             <a:fld id="{4520374D-A10D-4F16-A346-D54563820891}" type="datetimeFigureOut">
               <a:rPr lang="en-MY" smtClean="0"/>
-              <a:t>7/4/2020</a:t>
+              <a:t>13/6/2021</a:t>
             </a:fld>
             <a:endParaRPr lang="en-MY"/>
           </a:p>
@@ -5507,7 +5507,7 @@
           <a:p>
             <a:fld id="{48A87A34-81AB-432B-8DAE-1953F412C126}" type="datetimeFigureOut">
               <a:rPr lang="en-US" dirty="0"/>
-              <a:t>4/7/2020</a:t>
+              <a:t>6/13/2021</a:t>
             </a:fld>
             <a:endParaRPr lang="en-US" dirty="0"/>
           </a:p>
@@ -5769,7 +5769,7 @@
           <a:p>
             <a:fld id="{48A87A34-81AB-432B-8DAE-1953F412C126}" type="datetimeFigureOut">
               <a:rPr lang="en-US" dirty="0"/>
-              <a:t>4/7/2020</a:t>
+              <a:t>6/13/2021</a:t>
             </a:fld>
             <a:endParaRPr lang="en-US" dirty="0"/>
           </a:p>
@@ -5996,7 +5996,7 @@
             <a:fld id="{48A87A34-81AB-432B-8DAE-1953F412C126}" type="datetimeFigureOut">
               <a:rPr lang="en-US" dirty="0"/>
               <a:pPr/>
-              <a:t>4/7/2020</a:t>
+              <a:t>6/13/2021</a:t>
             </a:fld>
             <a:endParaRPr lang="en-US" dirty="0"/>
           </a:p>
@@ -6302,7 +6302,7 @@
             <a:fld id="{48A87A34-81AB-432B-8DAE-1953F412C126}" type="datetimeFigureOut">
               <a:rPr lang="en-US" dirty="0"/>
               <a:pPr/>
-              <a:t>4/7/2020</a:t>
+              <a:t>6/13/2021</a:t>
             </a:fld>
             <a:endParaRPr lang="en-US" dirty="0"/>
           </a:p>
@@ -6771,7 +6771,7 @@
             <a:fld id="{48A87A34-81AB-432B-8DAE-1953F412C126}" type="datetimeFigureOut">
               <a:rPr lang="en-US" dirty="0"/>
               <a:pPr/>
-              <a:t>4/7/2020</a:t>
+              <a:t>6/13/2021</a:t>
             </a:fld>
             <a:endParaRPr lang="en-US" dirty="0"/>
           </a:p>
@@ -7313,7 +7313,7 @@
           <a:p>
             <a:fld id="{48A87A34-81AB-432B-8DAE-1953F412C126}" type="datetimeFigureOut">
               <a:rPr lang="en-US" dirty="0"/>
-              <a:t>4/7/2020</a:t>
+              <a:t>6/13/2021</a:t>
             </a:fld>
             <a:endParaRPr lang="en-US" dirty="0"/>
           </a:p>
@@ -8082,7 +8082,7 @@
           <a:p>
             <a:fld id="{48A87A34-81AB-432B-8DAE-1953F412C126}" type="datetimeFigureOut">
               <a:rPr lang="en-US" dirty="0"/>
-              <a:t>4/7/2020</a:t>
+              <a:t>6/13/2021</a:t>
             </a:fld>
             <a:endParaRPr lang="en-US" dirty="0"/>
           </a:p>
@@ -8252,7 +8252,7 @@
           <a:p>
             <a:fld id="{48A87A34-81AB-432B-8DAE-1953F412C126}" type="datetimeFigureOut">
               <a:rPr lang="en-US" dirty="0"/>
-              <a:t>4/7/2020</a:t>
+              <a:t>6/13/2021</a:t>
             </a:fld>
             <a:endParaRPr lang="en-US" dirty="0"/>
           </a:p>
@@ -8471,7 +8471,7 @@
             <a:fld id="{48A87A34-81AB-432B-8DAE-1953F412C126}" type="datetimeFigureOut">
               <a:rPr lang="en-US" dirty="0"/>
               <a:pPr/>
-              <a:t>4/7/2020</a:t>
+              <a:t>6/13/2021</a:t>
             </a:fld>
             <a:endParaRPr lang="en-US" dirty="0"/>
           </a:p>
@@ -8707,7 +8707,7 @@
           <a:p>
             <a:fld id="{48A87A34-81AB-432B-8DAE-1953F412C126}" type="datetimeFigureOut">
               <a:rPr lang="en-US" smtClean="0"/>
-              <a:t>4/7/2020</a:t>
+              <a:t>6/13/2021</a:t>
             </a:fld>
             <a:endParaRPr lang="en-US" dirty="0"/>
           </a:p>
@@ -8887,7 +8887,7 @@
           <a:p>
             <a:fld id="{48A87A34-81AB-432B-8DAE-1953F412C126}" type="datetimeFigureOut">
               <a:rPr lang="en-US" smtClean="0"/>
-              <a:t>4/7/2020</a:t>
+              <a:t>6/13/2021</a:t>
             </a:fld>
             <a:endParaRPr lang="en-US" dirty="0"/>
           </a:p>
@@ -9057,7 +9057,7 @@
           <a:p>
             <a:fld id="{48A87A34-81AB-432B-8DAE-1953F412C126}" type="datetimeFigureOut">
               <a:rPr lang="en-US" dirty="0"/>
-              <a:t>4/7/2020</a:t>
+              <a:t>6/13/2021</a:t>
             </a:fld>
             <a:endParaRPr lang="en-US" dirty="0"/>
           </a:p>
@@ -9342,7 +9342,7 @@
             <a:fld id="{48A87A34-81AB-432B-8DAE-1953F412C126}" type="datetimeFigureOut">
               <a:rPr lang="en-US" smtClean="0"/>
               <a:pPr/>
-              <a:t>4/7/2020</a:t>
+              <a:t>6/13/2021</a:t>
             </a:fld>
             <a:endParaRPr lang="en-US" dirty="0"/>
           </a:p>
@@ -9584,7 +9584,7 @@
           <a:p>
             <a:fld id="{48A87A34-81AB-432B-8DAE-1953F412C126}" type="datetimeFigureOut">
               <a:rPr lang="en-US" smtClean="0"/>
-              <a:t>4/7/2020</a:t>
+              <a:t>6/13/2021</a:t>
             </a:fld>
             <a:endParaRPr lang="en-US" dirty="0"/>
           </a:p>
@@ -9963,7 +9963,7 @@
           <a:p>
             <a:fld id="{48A87A34-81AB-432B-8DAE-1953F412C126}" type="datetimeFigureOut">
               <a:rPr lang="en-US" smtClean="0"/>
-              <a:t>4/7/2020</a:t>
+              <a:t>6/13/2021</a:t>
             </a:fld>
             <a:endParaRPr lang="en-US" dirty="0"/>
           </a:p>
@@ -10081,7 +10081,7 @@
           <a:p>
             <a:fld id="{48A87A34-81AB-432B-8DAE-1953F412C126}" type="datetimeFigureOut">
               <a:rPr lang="en-US" smtClean="0"/>
-              <a:t>4/7/2020</a:t>
+              <a:t>6/13/2021</a:t>
             </a:fld>
             <a:endParaRPr lang="en-US" dirty="0"/>
           </a:p>
@@ -10176,7 +10176,7 @@
           <a:p>
             <a:fld id="{48A87A34-81AB-432B-8DAE-1953F412C126}" type="datetimeFigureOut">
               <a:rPr lang="en-US" smtClean="0"/>
-              <a:t>4/7/2020</a:t>
+              <a:t>6/13/2021</a:t>
             </a:fld>
             <a:endParaRPr lang="en-US" dirty="0"/>
           </a:p>
@@ -10425,7 +10425,7 @@
           <a:p>
             <a:fld id="{48A87A34-81AB-432B-8DAE-1953F412C126}" type="datetimeFigureOut">
               <a:rPr lang="en-US" smtClean="0"/>
-              <a:t>4/7/2020</a:t>
+              <a:t>6/13/2021</a:t>
             </a:fld>
             <a:endParaRPr lang="en-US" dirty="0"/>
           </a:p>
@@ -10682,7 +10682,7 @@
           <a:p>
             <a:fld id="{48A87A34-81AB-432B-8DAE-1953F412C126}" type="datetimeFigureOut">
               <a:rPr lang="en-US" smtClean="0"/>
-              <a:t>4/7/2020</a:t>
+              <a:t>6/13/2021</a:t>
             </a:fld>
             <a:endParaRPr lang="en-US" dirty="0"/>
           </a:p>
@@ -10939,7 +10939,7 @@
           <a:p>
             <a:fld id="{48A87A34-81AB-432B-8DAE-1953F412C126}" type="datetimeFigureOut">
               <a:rPr lang="en-US" smtClean="0"/>
-              <a:t>4/7/2020</a:t>
+              <a:t>6/13/2021</a:t>
             </a:fld>
             <a:endParaRPr lang="en-US" dirty="0"/>
           </a:p>
@@ -11171,7 +11171,7 @@
             <a:fld id="{48A87A34-81AB-432B-8DAE-1953F412C126}" type="datetimeFigureOut">
               <a:rPr lang="en-US" smtClean="0"/>
               <a:pPr/>
-              <a:t>4/7/2020</a:t>
+              <a:t>6/13/2021</a:t>
             </a:fld>
             <a:endParaRPr lang="en-US" dirty="0"/>
           </a:p>
@@ -11482,7 +11482,7 @@
             <a:fld id="{48A87A34-81AB-432B-8DAE-1953F412C126}" type="datetimeFigureOut">
               <a:rPr lang="en-US" smtClean="0"/>
               <a:pPr/>
-              <a:t>4/7/2020</a:t>
+              <a:t>6/13/2021</a:t>
             </a:fld>
             <a:endParaRPr lang="en-US" dirty="0"/>
           </a:p>
@@ -12014,7 +12014,7 @@
             <a:fld id="{48A87A34-81AB-432B-8DAE-1953F412C126}" type="datetimeFigureOut">
               <a:rPr lang="en-US" dirty="0"/>
               <a:pPr/>
-              <a:t>4/7/2020</a:t>
+              <a:t>6/13/2021</a:t>
             </a:fld>
             <a:endParaRPr lang="en-US" dirty="0"/>
           </a:p>
@@ -12251,7 +12251,7 @@
             <a:fld id="{48A87A34-81AB-432B-8DAE-1953F412C126}" type="datetimeFigureOut">
               <a:rPr lang="en-US" smtClean="0"/>
               <a:pPr/>
-              <a:t>4/7/2020</a:t>
+              <a:t>6/13/2021</a:t>
             </a:fld>
             <a:endParaRPr lang="en-US" dirty="0"/>
           </a:p>
@@ -12798,7 +12798,7 @@
           <a:p>
             <a:fld id="{48A87A34-81AB-432B-8DAE-1953F412C126}" type="datetimeFigureOut">
               <a:rPr lang="en-US" smtClean="0"/>
-              <a:t>4/7/2020</a:t>
+              <a:t>6/13/2021</a:t>
             </a:fld>
             <a:endParaRPr lang="en-US" dirty="0"/>
           </a:p>
@@ -13572,7 +13572,7 @@
           <a:p>
             <a:fld id="{48A87A34-81AB-432B-8DAE-1953F412C126}" type="datetimeFigureOut">
               <a:rPr lang="en-US" smtClean="0"/>
-              <a:t>4/7/2020</a:t>
+              <a:t>6/13/2021</a:t>
             </a:fld>
             <a:endParaRPr lang="en-US" dirty="0"/>
           </a:p>
@@ -13747,7 +13747,7 @@
           <a:p>
             <a:fld id="{48A87A34-81AB-432B-8DAE-1953F412C126}" type="datetimeFigureOut">
               <a:rPr lang="en-US" smtClean="0"/>
-              <a:t>4/7/2020</a:t>
+              <a:t>6/13/2021</a:t>
             </a:fld>
             <a:endParaRPr lang="en-US" dirty="0"/>
           </a:p>
@@ -13971,7 +13971,7 @@
             <a:fld id="{48A87A34-81AB-432B-8DAE-1953F412C126}" type="datetimeFigureOut">
               <a:rPr lang="en-US" smtClean="0"/>
               <a:pPr/>
-              <a:t>4/7/2020</a:t>
+              <a:t>6/13/2021</a:t>
             </a:fld>
             <a:endParaRPr lang="en-US" dirty="0"/>
           </a:p>
@@ -14213,7 +14213,7 @@
           <a:p>
             <a:fld id="{48A87A34-81AB-432B-8DAE-1953F412C126}" type="datetimeFigureOut">
               <a:rPr lang="en-US" dirty="0"/>
-              <a:t>4/7/2020</a:t>
+              <a:t>6/13/2021</a:t>
             </a:fld>
             <a:endParaRPr lang="en-US" dirty="0"/>
           </a:p>
@@ -14587,7 +14587,7 @@
           <a:p>
             <a:fld id="{48A87A34-81AB-432B-8DAE-1953F412C126}" type="datetimeFigureOut">
               <a:rPr lang="en-US" dirty="0"/>
-              <a:t>4/7/2020</a:t>
+              <a:t>6/13/2021</a:t>
             </a:fld>
             <a:endParaRPr lang="en-US" dirty="0"/>
           </a:p>
@@ -14700,7 +14700,7 @@
           <a:p>
             <a:fld id="{48A87A34-81AB-432B-8DAE-1953F412C126}" type="datetimeFigureOut">
               <a:rPr lang="en-US" dirty="0"/>
-              <a:t>4/7/2020</a:t>
+              <a:t>6/13/2021</a:t>
             </a:fld>
             <a:endParaRPr lang="en-US" dirty="0"/>
           </a:p>
@@ -14790,7 +14790,7 @@
           <a:p>
             <a:fld id="{48A87A34-81AB-432B-8DAE-1953F412C126}" type="datetimeFigureOut">
               <a:rPr lang="en-US" dirty="0"/>
-              <a:t>4/7/2020</a:t>
+              <a:t>6/13/2021</a:t>
             </a:fld>
             <a:endParaRPr lang="en-US" dirty="0"/>
           </a:p>
@@ -15034,7 +15034,7 @@
           <a:p>
             <a:fld id="{48A87A34-81AB-432B-8DAE-1953F412C126}" type="datetimeFigureOut">
               <a:rPr lang="en-US" dirty="0"/>
-              <a:t>4/7/2020</a:t>
+              <a:t>6/13/2021</a:t>
             </a:fld>
             <a:endParaRPr lang="en-US" dirty="0"/>
           </a:p>
@@ -15286,7 +15286,7 @@
           <a:p>
             <a:fld id="{48A87A34-81AB-432B-8DAE-1953F412C126}" type="datetimeFigureOut">
               <a:rPr lang="en-US" dirty="0"/>
-              <a:t>4/7/2020</a:t>
+              <a:t>6/13/2021</a:t>
             </a:fld>
             <a:endParaRPr lang="en-US" dirty="0"/>
           </a:p>
@@ -15529,7 +15529,7 @@
             <a:fld id="{48A87A34-81AB-432B-8DAE-1953F412C126}" type="datetimeFigureOut">
               <a:rPr lang="en-US" smtClean="0"/>
               <a:pPr/>
-              <a:t>4/7/2020</a:t>
+              <a:t>6/13/2021</a:t>
             </a:fld>
             <a:endParaRPr lang="en-US" dirty="0"/>
           </a:p>
@@ -16180,7 +16180,7 @@
             <a:fld id="{48A87A34-81AB-432B-8DAE-1953F412C126}" type="datetimeFigureOut">
               <a:rPr lang="en-US" smtClean="0"/>
               <a:pPr/>
-              <a:t>4/7/2020</a:t>
+              <a:t>6/13/2021</a:t>
             </a:fld>
             <a:endParaRPr lang="en-US" dirty="0"/>
           </a:p>
@@ -16472,7 +16472,7 @@
             <a:fld id="{48A87A34-81AB-432B-8DAE-1953F412C126}" type="datetimeFigureOut">
               <a:rPr lang="en-US" smtClean="0"/>
               <a:pPr/>
-              <a:t>4/7/2020</a:t>
+              <a:t>6/13/2021</a:t>
             </a:fld>
             <a:endParaRPr lang="en-US" dirty="0"/>
           </a:p>
@@ -17145,12 +17145,12 @@
           <a:graphicData uri="http://schemas.openxmlformats.org/presentationml/2006/ole">
             <mc:AlternateContent xmlns:mc="http://schemas.openxmlformats.org/markup-compatibility/2006">
               <mc:Choice xmlns:v="urn:schemas-microsoft-com:vml" Requires="v">
-                <p:oleObj spid="_x0000_s41992" name="Photo Editor Photo" r:id="rId3" imgW="14885714" imgH="4342857" progId="">
+                <p:oleObj name="Photo Editor Photo" r:id="rId2" imgW="14885714" imgH="4342857" progId="">
                   <p:embed/>
                 </p:oleObj>
               </mc:Choice>
               <mc:Fallback>
-                <p:oleObj name="Photo Editor Photo" r:id="rId3" imgW="14885714" imgH="4342857" progId="">
+                <p:oleObj name="Photo Editor Photo" r:id="rId2" imgW="14885714" imgH="4342857" progId="">
                   <p:embed/>
                   <p:pic>
                     <p:nvPicPr>
@@ -17161,7 +17161,7 @@
                       <p:nvPr/>
                     </p:nvPicPr>
                     <p:blipFill>
-                      <a:blip r:embed="rId4">
+                      <a:blip r:embed="rId3">
                         <a:extLst>
                           <a:ext uri="{28A0092B-C50C-407E-A947-70E740481C1C}">
                             <a14:useLocalDpi xmlns:a14="http://schemas.microsoft.com/office/drawing/2010/main" val="0"/>
@@ -19489,8 +19489,8 @@
           <a:chExt cx="0" cy="0"/>
         </a:xfrm>
       </p:grpSpPr>
-      <mc:AlternateContent xmlns:mc="http://schemas.openxmlformats.org/markup-compatibility/2006">
-        <mc:Choice xmlns:a14="http://schemas.microsoft.com/office/drawing/2010/main" Requires="a14">
+      <mc:AlternateContent xmlns:mc="http://schemas.openxmlformats.org/markup-compatibility/2006" xmlns:a14="http://schemas.microsoft.com/office/drawing/2010/main">
+        <mc:Choice Requires="a14">
           <p:sp>
             <p:nvSpPr>
               <p:cNvPr id="3" name="Content Placeholder 2"/>
@@ -19673,19 +19673,27 @@
                       <m:t> </m:t>
                     </m:r>
                     <m:r>
-                      <a:rPr lang="en-US" sz="3400" i="1"/>
+                      <a:rPr lang="en-US" sz="3400" i="1">
+                        <a:latin typeface="Cambria Math" panose="02040503050406030204" pitchFamily="18" charset="0"/>
+                      </a:rPr>
                       <m:t>𝑁𝑃</m:t>
                     </m:r>
                     <m:r>
-                      <a:rPr lang="en-US" sz="3400" i="1"/>
+                      <a:rPr lang="en-US" sz="3400" i="1">
+                        <a:latin typeface="Cambria Math" panose="02040503050406030204" pitchFamily="18" charset="0"/>
+                      </a:rPr>
                       <m:t>=</m:t>
                     </m:r>
                     <m:r>
-                      <a:rPr lang="en-US" sz="3400" i="1"/>
+                      <a:rPr lang="en-US" sz="3400" i="1">
+                        <a:latin typeface="Cambria Math" panose="02040503050406030204" pitchFamily="18" charset="0"/>
+                      </a:rPr>
                       <m:t>𝐿𝑃</m:t>
                     </m:r>
                     <m:r>
-                      <a:rPr lang="en-US" sz="3400" i="1"/>
+                      <a:rPr lang="en-US" sz="3400" i="1">
+                        <a:latin typeface="Cambria Math" panose="02040503050406030204" pitchFamily="18" charset="0"/>
+                      </a:rPr>
                       <m:t> (1−</m:t>
                     </m:r>
                     <m:r>
@@ -19703,7 +19711,9 @@
                       <m:t>1</m:t>
                     </m:r>
                     <m:r>
-                      <a:rPr lang="en-US" sz="3400" i="1"/>
+                      <a:rPr lang="en-US" sz="3400" i="1">
+                        <a:latin typeface="Cambria Math" panose="02040503050406030204" pitchFamily="18" charset="0"/>
+                      </a:rPr>
                       <m:t>)(1−</m:t>
                     </m:r>
                     <m:r>
@@ -19721,7 +19731,9 @@
                       <m:t>2</m:t>
                     </m:r>
                     <m:r>
-                      <a:rPr lang="en-US" sz="3400" i="1"/>
+                      <a:rPr lang="en-US" sz="3400" i="1">
+                        <a:latin typeface="Cambria Math" panose="02040503050406030204" pitchFamily="18" charset="0"/>
+                      </a:rPr>
                       <m:t>)</m:t>
                     </m:r>
                   </m:oMath>
@@ -19886,7 +19898,7 @@
             </p:txBody>
           </p:sp>
         </mc:Choice>
-        <mc:Fallback>
+        <mc:Fallback xmlns="">
           <p:sp>
             <p:nvSpPr>
               <p:cNvPr id="3" name="Content Placeholder 2"/>
@@ -20416,7 +20428,7 @@
           <p:nvPr/>
         </p:nvPicPr>
         <p:blipFill>
-          <a:blip r:embed="rId3" cstate="print"/>
+          <a:blip r:embed="rId2" cstate="print"/>
           <a:srcRect/>
           <a:stretch>
             <a:fillRect/>
@@ -20572,12 +20584,12 @@
           <a:graphicData uri="http://schemas.openxmlformats.org/presentationml/2006/ole">
             <mc:AlternateContent xmlns:mc="http://schemas.openxmlformats.org/markup-compatibility/2006">
               <mc:Choice xmlns:v="urn:schemas-microsoft-com:vml" Requires="v">
-                <p:oleObj spid="_x0000_s43016" name="Equation" r:id="rId4" imgW="2019240" imgH="914400" progId="Equation.3">
+                <p:oleObj name="Equation" r:id="rId3" imgW="2019240" imgH="914400" progId="Equation.3">
                   <p:embed/>
                 </p:oleObj>
               </mc:Choice>
               <mc:Fallback>
-                <p:oleObj name="Equation" r:id="rId4" imgW="2019240" imgH="914400" progId="Equation.3">
+                <p:oleObj name="Equation" r:id="rId3" imgW="2019240" imgH="914400" progId="Equation.3">
                   <p:embed/>
                   <p:pic>
                     <p:nvPicPr>
@@ -20588,7 +20600,7 @@
                       <p:nvPr/>
                     </p:nvPicPr>
                     <p:blipFill>
-                      <a:blip r:embed="rId5"/>
+                      <a:blip r:embed="rId4"/>
                       <a:srcRect/>
                       <a:stretch>
                         <a:fillRect/>
@@ -20639,12 +20651,12 @@
           <a:graphicData uri="http://schemas.openxmlformats.org/presentationml/2006/ole">
             <mc:AlternateContent xmlns:mc="http://schemas.openxmlformats.org/markup-compatibility/2006">
               <mc:Choice xmlns:v="urn:schemas-microsoft-com:vml" Requires="v">
-                <p:oleObj spid="_x0000_s43017" name="Equation" r:id="rId6" imgW="2361960" imgH="1803240" progId="Equation.3">
+                <p:oleObj name="Equation" r:id="rId5" imgW="2361960" imgH="1803240" progId="Equation.3">
                   <p:embed/>
                 </p:oleObj>
               </mc:Choice>
               <mc:Fallback>
-                <p:oleObj name="Equation" r:id="rId6" imgW="2361960" imgH="1803240" progId="Equation.3">
+                <p:oleObj name="Equation" r:id="rId5" imgW="2361960" imgH="1803240" progId="Equation.3">
                   <p:embed/>
                   <p:pic>
                     <p:nvPicPr>
@@ -20655,7 +20667,7 @@
                       <p:nvPr/>
                     </p:nvPicPr>
                     <p:blipFill>
-                      <a:blip r:embed="rId7"/>
+                      <a:blip r:embed="rId6"/>
                       <a:srcRect/>
                       <a:stretch>
                         <a:fillRect/>
@@ -20835,7 +20847,7 @@
           <p:nvPr/>
         </p:nvPicPr>
         <p:blipFill>
-          <a:blip r:embed="rId3" cstate="print"/>
+          <a:blip r:embed="rId2" cstate="print"/>
           <a:srcRect/>
           <a:stretch>
             <a:fillRect/>
@@ -20939,12 +20951,12 @@
           <a:graphicData uri="http://schemas.openxmlformats.org/presentationml/2006/ole">
             <mc:AlternateContent xmlns:mc="http://schemas.openxmlformats.org/markup-compatibility/2006">
               <mc:Choice xmlns:v="urn:schemas-microsoft-com:vml" Requires="v">
-                <p:oleObj spid="_x0000_s40980" name="Equation" r:id="rId4" imgW="1879560" imgH="1574640" progId="Equation.3">
+                <p:oleObj name="Equation" r:id="rId3" imgW="1879560" imgH="1574640" progId="Equation.3">
                   <p:embed/>
                 </p:oleObj>
               </mc:Choice>
               <mc:Fallback>
-                <p:oleObj name="Equation" r:id="rId4" imgW="1879560" imgH="1574640" progId="Equation.3">
+                <p:oleObj name="Equation" r:id="rId3" imgW="1879560" imgH="1574640" progId="Equation.3">
                   <p:embed/>
                   <p:pic>
                     <p:nvPicPr>
@@ -20955,7 +20967,7 @@
                       <p:nvPr/>
                     </p:nvPicPr>
                     <p:blipFill>
-                      <a:blip r:embed="rId5"/>
+                      <a:blip r:embed="rId4"/>
                       <a:srcRect/>
                       <a:stretch>
                         <a:fillRect/>
@@ -21000,12 +21012,12 @@
           <a:graphicData uri="http://schemas.openxmlformats.org/presentationml/2006/ole">
             <mc:AlternateContent xmlns:mc="http://schemas.openxmlformats.org/markup-compatibility/2006">
               <mc:Choice xmlns:v="urn:schemas-microsoft-com:vml" Requires="v">
-                <p:oleObj spid="_x0000_s40981" name="Equation" r:id="rId6" imgW="2260440" imgH="1104840" progId="Equation.3">
+                <p:oleObj name="Equation" r:id="rId5" imgW="2260440" imgH="1104840" progId="Equation.3">
                   <p:embed/>
                 </p:oleObj>
               </mc:Choice>
               <mc:Fallback>
-                <p:oleObj name="Equation" r:id="rId6" imgW="2260440" imgH="1104840" progId="Equation.3">
+                <p:oleObj name="Equation" r:id="rId5" imgW="2260440" imgH="1104840" progId="Equation.3">
                   <p:embed/>
                   <p:pic>
                     <p:nvPicPr>
@@ -21016,7 +21028,7 @@
                       <p:nvPr/>
                     </p:nvPicPr>
                     <p:blipFill>
-                      <a:blip r:embed="rId7">
+                      <a:blip r:embed="rId6">
                         <a:extLst>
                           <a:ext uri="{28A0092B-C50C-407E-A947-70E740481C1C}">
                             <a14:useLocalDpi xmlns:a14="http://schemas.microsoft.com/office/drawing/2010/main" val="0"/>
@@ -22769,7 +22781,7 @@
           <p:nvPr/>
         </p:nvSpPr>
         <p:spPr>
-          <a:xfrm>
+          <a:xfrm rot="10800000">
             <a:off x="3255264" y="3891686"/>
             <a:ext cx="848563" cy="285293"/>
           </a:xfrm>
@@ -22815,7 +22827,7 @@
           <p:nvPr/>
         </p:nvSpPr>
         <p:spPr>
-          <a:xfrm>
+          <a:xfrm rot="10800000">
             <a:off x="6964429" y="3901439"/>
             <a:ext cx="848563" cy="285293"/>
           </a:xfrm>
